--- a/artifacts/design/Hackathon - Highlevel Design Document .pptx
+++ b/artifacts/design/Hackathon - Highlevel Design Document .pptx
@@ -4911,7 +4911,7 @@
                   <a:schemeClr val="bg1"/>
                 </a:solidFill>
               </a:rPr>
-              <a:t>Vector AI</a:t>
+              <a:t>Vertex AI container</a:t>
             </a:r>
           </a:p>
         </p:txBody>
@@ -4927,14 +4927,14 @@
           </p:cNvPr>
           <p:cNvCxnSpPr>
             <a:cxnSpLocks/>
-            <a:endCxn id="2" idx="1"/>
+            <a:stCxn id="2" idx="1"/>
           </p:cNvCxnSpPr>
           <p:nvPr/>
         </p:nvCxnSpPr>
         <p:spPr>
-          <a:xfrm>
-            <a:off x="4163265" y="3792681"/>
-            <a:ext cx="500385" cy="0"/>
+          <a:xfrm flipH="1">
+            <a:off x="4298686" y="3792681"/>
+            <a:ext cx="364964" cy="0"/>
           </a:xfrm>
           <a:prstGeom prst="straightConnector1">
             <a:avLst/>
@@ -5557,7 +5557,7 @@
             <a:pPr algn="ctr"/>
             <a:r>
               <a:rPr lang="en-US" sz="1100" dirty="0"/>
-              <a:t>Deploy in Vector AI</a:t>
+              <a:t>Deploy in Vertex AI</a:t>
             </a:r>
           </a:p>
         </p:txBody>
